--- a/Images/CassisExplanation.pptx
+++ b/Images/CassisExplanation.pptx
@@ -5,7 +5,7 @@
     <p:sldMasterId id="2147483684" r:id="rId1"/>
   </p:sldMasterIdLst>
   <p:notesMasterIdLst>
-    <p:notesMasterId r:id="rId9"/>
+    <p:notesMasterId r:id="rId11"/>
   </p:notesMasterIdLst>
   <p:sldIdLst>
     <p:sldId id="379" r:id="rId2"/>
@@ -13,8 +13,10 @@
     <p:sldId id="381" r:id="rId4"/>
     <p:sldId id="388" r:id="rId5"/>
     <p:sldId id="390" r:id="rId6"/>
-    <p:sldId id="391" r:id="rId7"/>
-    <p:sldId id="387" r:id="rId8"/>
+    <p:sldId id="392" r:id="rId7"/>
+    <p:sldId id="393" r:id="rId8"/>
+    <p:sldId id="391" r:id="rId9"/>
+    <p:sldId id="387" r:id="rId10"/>
   </p:sldIdLst>
   <p:sldSz cx="12192000" cy="6858000"/>
   <p:notesSz cx="6858000" cy="9144000"/>
@@ -568,6 +570,90 @@
     <p:extLst>
       <p:ext uri="{BB962C8B-B14F-4D97-AF65-F5344CB8AC3E}">
         <p14:creationId xmlns:p14="http://schemas.microsoft.com/office/powerpoint/2010/main" val="590380042"/>
+      </p:ext>
+    </p:extLst>
+  </p:cSld>
+  <p:clrMapOvr>
+    <a:masterClrMapping/>
+  </p:clrMapOvr>
+</p:notes>
+</file>
+
+<file path=ppt/notesSlides/notesSlide2.xml><?xml version="1.0" encoding="utf-8"?>
+<p:notes xmlns:a="http://schemas.openxmlformats.org/drawingml/2006/main" xmlns:r="http://schemas.openxmlformats.org/officeDocument/2006/relationships" xmlns:p="http://schemas.openxmlformats.org/presentationml/2006/main">
+  <p:cSld>
+    <p:spTree>
+      <p:nvGrpSpPr>
+        <p:cNvPr id="1" name=""/>
+        <p:cNvGrpSpPr/>
+        <p:nvPr/>
+      </p:nvGrpSpPr>
+      <p:grpSpPr>
+        <a:xfrm>
+          <a:off x="0" y="0"/>
+          <a:ext cx="0" cy="0"/>
+          <a:chOff x="0" y="0"/>
+          <a:chExt cx="0" cy="0"/>
+        </a:xfrm>
+      </p:grpSpPr>
+      <p:sp>
+        <p:nvSpPr>
+          <p:cNvPr id="2" name="Slide Image Placeholder 1"/>
+          <p:cNvSpPr>
+            <a:spLocks noGrp="1" noRot="1" noChangeAspect="1"/>
+          </p:cNvSpPr>
+          <p:nvPr>
+            <p:ph type="sldImg"/>
+          </p:nvPr>
+        </p:nvSpPr>
+        <p:spPr/>
+      </p:sp>
+      <p:sp>
+        <p:nvSpPr>
+          <p:cNvPr id="3" name="Notes Placeholder 2"/>
+          <p:cNvSpPr>
+            <a:spLocks noGrp="1"/>
+          </p:cNvSpPr>
+          <p:nvPr>
+            <p:ph type="body" idx="1"/>
+          </p:nvPr>
+        </p:nvSpPr>
+        <p:spPr/>
+        <p:txBody>
+          <a:bodyPr/>
+          <a:lstStyle/>
+          <a:p>
+            <a:endParaRPr lang="en-US" dirty="0"/>
+          </a:p>
+        </p:txBody>
+      </p:sp>
+      <p:sp>
+        <p:nvSpPr>
+          <p:cNvPr id="4" name="Slide Number Placeholder 3"/>
+          <p:cNvSpPr>
+            <a:spLocks noGrp="1"/>
+          </p:cNvSpPr>
+          <p:nvPr>
+            <p:ph type="sldNum" sz="quarter" idx="5"/>
+          </p:nvPr>
+        </p:nvSpPr>
+        <p:spPr/>
+        <p:txBody>
+          <a:bodyPr/>
+          <a:lstStyle/>
+          <a:p>
+            <a:fld id="{23343A96-5DD6-A549-9424-00A8EE5C010B}" type="slidenum">
+              <a:rPr lang="en-US" smtClean="0"/>
+              <a:t>6</a:t>
+            </a:fld>
+            <a:endParaRPr lang="en-US"/>
+          </a:p>
+        </p:txBody>
+      </p:sp>
+    </p:spTree>
+    <p:extLst>
+      <p:ext uri="{BB962C8B-B14F-4D97-AF65-F5344CB8AC3E}">
+        <p14:creationId xmlns:p14="http://schemas.microsoft.com/office/powerpoint/2010/main" val="580495413"/>
       </p:ext>
     </p:extLst>
   </p:cSld>
@@ -5392,7 +5478,7 @@
             <a:pPr algn="ctr"/>
             <a:r>
               <a:rPr lang="en-US" sz="3200" dirty="0"/>
-              <a:t>The CASSIS algorithm searches for promoter motifs shared between the backbone gene and pair-wise combinations of 15 gene windows to the left and right of the backbone.</a:t>
+              <a:t>The CASSIS algorithm searches for promoter motifs shared between the backbone gene and pair-wise combinations of genes to the left and right of the backbone.</a:t>
             </a:r>
           </a:p>
         </p:txBody>
@@ -6565,41 +6651,6 @@
           </a:p>
         </p:txBody>
       </p:sp>
-      <p:sp>
-        <p:nvSpPr>
-          <p:cNvPr id="30" name="TextBox 29">
-            <a:extLst>
-              <a:ext uri="{FF2B5EF4-FFF2-40B4-BE49-F238E27FC236}">
-                <a16:creationId xmlns:a16="http://schemas.microsoft.com/office/drawing/2014/main" id="{5D84E253-2574-9717-A9BF-F36C5BCE8E11}"/>
-              </a:ext>
-            </a:extLst>
-          </p:cNvPr>
-          <p:cNvSpPr txBox="1"/>
-          <p:nvPr/>
-        </p:nvSpPr>
-        <p:spPr>
-          <a:xfrm>
-            <a:off x="8610600" y="157375"/>
-            <a:ext cx="3378810" cy="523220"/>
-          </a:xfrm>
-          <a:prstGeom prst="rect">
-            <a:avLst/>
-          </a:prstGeom>
-          <a:noFill/>
-        </p:spPr>
-        <p:txBody>
-          <a:bodyPr wrap="none" rtlCol="0">
-            <a:spAutoFit/>
-          </a:bodyPr>
-          <a:lstStyle/>
-          <a:p>
-            <a:r>
-              <a:rPr lang="en-US" sz="2800" b="1" dirty="0"/>
-              <a:t>Looking for this motif</a:t>
-            </a:r>
-          </a:p>
-        </p:txBody>
-      </p:sp>
       <p:pic>
         <p:nvPicPr>
           <p:cNvPr id="31" name="Picture 30" descr="Icon&#10;&#10;Description automatically generated">
@@ -7055,7 +7106,7 @@
         </p:nvSpPr>
         <p:spPr>
           <a:xfrm>
-            <a:off x="647004" y="629926"/>
+            <a:off x="647004" y="283611"/>
             <a:ext cx="10897992" cy="1077218"/>
           </a:xfrm>
           <a:prstGeom prst="rect">
@@ -7099,7 +7150,7 @@
         </p:blipFill>
         <p:spPr>
           <a:xfrm>
-            <a:off x="482600" y="2383457"/>
+            <a:off x="6099394" y="2454929"/>
             <a:ext cx="5194300" cy="918543"/>
           </a:xfrm>
           <a:prstGeom prst="rect">
@@ -7129,7 +7180,7 @@
         </p:blipFill>
         <p:spPr>
           <a:xfrm>
-            <a:off x="443792" y="3696108"/>
+            <a:off x="6096000" y="3929626"/>
             <a:ext cx="5233108" cy="918543"/>
           </a:xfrm>
           <a:prstGeom prst="rect">
@@ -7159,7 +7210,7 @@
         </p:blipFill>
         <p:spPr>
           <a:xfrm>
-            <a:off x="443791" y="5142932"/>
+            <a:off x="6013798" y="5373302"/>
             <a:ext cx="5233109" cy="924255"/>
           </a:xfrm>
           <a:prstGeom prst="rect">
@@ -7181,8 +7232,8 @@
         </p:nvGrpSpPr>
         <p:grpSpPr>
           <a:xfrm>
-            <a:off x="6716765" y="2525787"/>
-            <a:ext cx="1743649" cy="587741"/>
+            <a:off x="1393371" y="2247772"/>
+            <a:ext cx="3385908" cy="1322799"/>
             <a:chOff x="3348040" y="4241080"/>
             <a:chExt cx="1088687" cy="356618"/>
           </a:xfrm>
@@ -7260,8 +7311,8 @@
         </p:nvGrpSpPr>
         <p:grpSpPr>
           <a:xfrm>
-            <a:off x="6671404" y="3673594"/>
-            <a:ext cx="1789007" cy="587738"/>
+            <a:off x="1380139" y="3723277"/>
+            <a:ext cx="3473986" cy="1322792"/>
             <a:chOff x="3319720" y="4221527"/>
             <a:chExt cx="1117008" cy="356616"/>
           </a:xfrm>
@@ -7346,8 +7397,8 @@
         </p:blipFill>
         <p:spPr>
           <a:xfrm>
-            <a:off x="6671404" y="5229371"/>
-            <a:ext cx="281144" cy="587738"/>
+            <a:off x="1064410" y="5140365"/>
+            <a:ext cx="657921" cy="1375398"/>
           </a:xfrm>
           <a:prstGeom prst="rect">
             <a:avLst/>
@@ -7368,8 +7419,8 @@
         </p:nvGrpSpPr>
         <p:grpSpPr>
           <a:xfrm>
-            <a:off x="6952548" y="5220733"/>
-            <a:ext cx="1526728" cy="587738"/>
+            <a:off x="1610292" y="5169809"/>
+            <a:ext cx="2964680" cy="1322792"/>
             <a:chOff x="3566310" y="4221527"/>
             <a:chExt cx="953248" cy="356616"/>
           </a:xfrm>
@@ -7447,7 +7498,7 @@
         </p:nvSpPr>
         <p:spPr>
           <a:xfrm>
-            <a:off x="2856772" y="2917207"/>
+            <a:off x="8473566" y="2970386"/>
             <a:ext cx="445956" cy="338554"/>
           </a:xfrm>
           <a:prstGeom prst="rect">
@@ -7482,7 +7533,7 @@
         </p:nvSpPr>
         <p:spPr>
           <a:xfrm>
-            <a:off x="2837367" y="4224986"/>
+            <a:off x="8520988" y="4483312"/>
             <a:ext cx="445956" cy="338554"/>
           </a:xfrm>
           <a:prstGeom prst="rect">
@@ -7517,7 +7568,7 @@
         </p:nvSpPr>
         <p:spPr>
           <a:xfrm>
-            <a:off x="2837367" y="5675224"/>
+            <a:off x="8473566" y="5906961"/>
             <a:ext cx="445956" cy="338554"/>
           </a:xfrm>
           <a:prstGeom prst="rect">
@@ -7538,6 +7589,117 @@
           </a:p>
         </p:txBody>
       </p:sp>
+      <p:sp>
+        <p:nvSpPr>
+          <p:cNvPr id="234" name="TextBox 233">
+            <a:extLst>
+              <a:ext uri="{FF2B5EF4-FFF2-40B4-BE49-F238E27FC236}">
+                <a16:creationId xmlns:a16="http://schemas.microsoft.com/office/drawing/2014/main" id="{8A8350A9-4C46-F07A-6699-5E5B36B07A1C}"/>
+              </a:ext>
+            </a:extLst>
+          </p:cNvPr>
+          <p:cNvSpPr txBox="1"/>
+          <p:nvPr/>
+        </p:nvSpPr>
+        <p:spPr>
+          <a:xfrm>
+            <a:off x="7141443" y="1724552"/>
+            <a:ext cx="2759089" cy="523220"/>
+          </a:xfrm>
+          <a:prstGeom prst="rect">
+            <a:avLst/>
+          </a:prstGeom>
+          <a:noFill/>
+        </p:spPr>
+        <p:txBody>
+          <a:bodyPr wrap="none" rtlCol="0">
+            <a:spAutoFit/>
+          </a:bodyPr>
+          <a:lstStyle/>
+          <a:p>
+            <a:r>
+              <a:rPr lang="en-US" sz="2800" b="1" u="sng" dirty="0"/>
+              <a:t>Genes with motif</a:t>
+            </a:r>
+          </a:p>
+        </p:txBody>
+      </p:sp>
+      <p:sp>
+        <p:nvSpPr>
+          <p:cNvPr id="235" name="TextBox 234">
+            <a:extLst>
+              <a:ext uri="{FF2B5EF4-FFF2-40B4-BE49-F238E27FC236}">
+                <a16:creationId xmlns:a16="http://schemas.microsoft.com/office/drawing/2014/main" id="{1D2A943E-9889-7BC8-61C6-09A366DECD90}"/>
+              </a:ext>
+            </a:extLst>
+          </p:cNvPr>
+          <p:cNvSpPr txBox="1"/>
+          <p:nvPr/>
+        </p:nvSpPr>
+        <p:spPr>
+          <a:xfrm>
+            <a:off x="2327508" y="1750564"/>
+            <a:ext cx="1018227" cy="523220"/>
+          </a:xfrm>
+          <a:prstGeom prst="rect">
+            <a:avLst/>
+          </a:prstGeom>
+          <a:noFill/>
+        </p:spPr>
+        <p:txBody>
+          <a:bodyPr wrap="none" rtlCol="0">
+            <a:spAutoFit/>
+          </a:bodyPr>
+          <a:lstStyle/>
+          <a:p>
+            <a:r>
+              <a:rPr lang="en-US" sz="2800" b="1" u="sng" dirty="0"/>
+              <a:t>Motif</a:t>
+            </a:r>
+          </a:p>
+        </p:txBody>
+      </p:sp>
+      <p:cxnSp>
+        <p:nvCxnSpPr>
+          <p:cNvPr id="237" name="Straight Connector 236">
+            <a:extLst>
+              <a:ext uri="{FF2B5EF4-FFF2-40B4-BE49-F238E27FC236}">
+                <a16:creationId xmlns:a16="http://schemas.microsoft.com/office/drawing/2014/main" id="{B6AB8885-F651-8FF5-3903-1B637EE5B357}"/>
+              </a:ext>
+            </a:extLst>
+          </p:cNvPr>
+          <p:cNvCxnSpPr/>
+          <p:nvPr/>
+        </p:nvCxnSpPr>
+        <p:spPr>
+          <a:xfrm>
+            <a:off x="482600" y="1520042"/>
+            <a:ext cx="11062396" cy="0"/>
+          </a:xfrm>
+          <a:prstGeom prst="line">
+            <a:avLst/>
+          </a:prstGeom>
+          <a:ln w="12700">
+            <a:solidFill>
+              <a:schemeClr val="tx1"/>
+            </a:solidFill>
+          </a:ln>
+        </p:spPr>
+        <p:style>
+          <a:lnRef idx="1">
+            <a:schemeClr val="accent1"/>
+          </a:lnRef>
+          <a:fillRef idx="0">
+            <a:schemeClr val="accent1"/>
+          </a:fillRef>
+          <a:effectRef idx="0">
+            <a:schemeClr val="accent1"/>
+          </a:effectRef>
+          <a:fontRef idx="minor">
+            <a:schemeClr val="tx1"/>
+          </a:fontRef>
+        </p:style>
+      </p:cxnSp>
     </p:spTree>
     <p:extLst>
       <p:ext uri="{BB962C8B-B14F-4D97-AF65-F5344CB8AC3E}">
@@ -7631,8 +7793,8 @@
         </p:nvSpPr>
         <p:spPr>
           <a:xfrm>
-            <a:off x="647004" y="229839"/>
-            <a:ext cx="10897992" cy="1569660"/>
+            <a:off x="641522" y="170487"/>
+            <a:ext cx="10897992" cy="2062103"/>
           </a:xfrm>
           <a:prstGeom prst="rect">
             <a:avLst/>
@@ -7648,7 +7810,7 @@
             <a:pPr algn="ctr"/>
             <a:r>
               <a:rPr lang="en-US" sz="3200" dirty="0"/>
-              <a:t>Every gene within the genome is scanned for each putative promoter motif. The goal is to find a motif that ISN’T widespread in the genome. This is referred to as a “cluster-specific motif”.</a:t>
+              <a:t>The occurrence of of each cluster defining motif is calculated in all promoters within the genome. If the motif is frequently found within the genome (i.e., it’s not cluster-specific), that prediction is rejected.</a:t>
             </a:r>
           </a:p>
         </p:txBody>
@@ -8297,59 +8459,43 @@
       </p:grpSpPr>
       <p:sp>
         <p:nvSpPr>
-          <p:cNvPr id="6" name="Rectangle 5">
-            <a:extLst>
-              <a:ext uri="{FF2B5EF4-FFF2-40B4-BE49-F238E27FC236}">
-                <a16:creationId xmlns:a16="http://schemas.microsoft.com/office/drawing/2014/main" id="{B9D7A46F-1630-2E74-215C-FDCD8E9E5A27}"/>
-              </a:ext>
-            </a:extLst>
-          </p:cNvPr>
-          <p:cNvSpPr/>
-          <p:nvPr/>
-        </p:nvSpPr>
-        <p:spPr>
-          <a:xfrm>
-            <a:off x="195195" y="2332384"/>
-            <a:ext cx="4072005" cy="2169278"/>
-          </a:xfrm>
-          <a:prstGeom prst="rect">
-            <a:avLst/>
-          </a:prstGeom>
-          <a:solidFill>
-            <a:schemeClr val="tx1"/>
-          </a:solidFill>
-        </p:spPr>
-        <p:style>
-          <a:lnRef idx="2">
-            <a:schemeClr val="accent1">
-              <a:shade val="50000"/>
-            </a:schemeClr>
-          </a:lnRef>
-          <a:fillRef idx="1">
-            <a:schemeClr val="accent1"/>
-          </a:fillRef>
-          <a:effectRef idx="0">
-            <a:schemeClr val="accent1"/>
-          </a:effectRef>
-          <a:fontRef idx="minor">
-            <a:schemeClr val="lt1"/>
-          </a:fontRef>
-        </p:style>
-        <p:txBody>
-          <a:bodyPr rtlCol="0" anchor="ctr"/>
-          <a:lstStyle/>
-          <a:p>
-            <a:pPr algn="ctr"/>
-            <a:endParaRPr lang="en-US"/>
-          </a:p>
-        </p:txBody>
-      </p:sp>
-      <p:sp>
-        <p:nvSpPr>
-          <p:cNvPr id="2" name="Slide Number Placeholder 1">
-            <a:extLst>
-              <a:ext uri="{FF2B5EF4-FFF2-40B4-BE49-F238E27FC236}">
-                <a16:creationId xmlns:a16="http://schemas.microsoft.com/office/drawing/2014/main" id="{BE27CDD8-F5D5-B048-FBBD-FC3FB188E746}"/>
+          <p:cNvPr id="2" name="Title 1">
+            <a:extLst>
+              <a:ext uri="{FF2B5EF4-FFF2-40B4-BE49-F238E27FC236}">
+                <a16:creationId xmlns:a16="http://schemas.microsoft.com/office/drawing/2014/main" id="{35A016B5-60F6-DDF1-2AAE-2621B28B034C}"/>
+              </a:ext>
+            </a:extLst>
+          </p:cNvPr>
+          <p:cNvSpPr>
+            <a:spLocks noGrp="1"/>
+          </p:cNvSpPr>
+          <p:nvPr>
+            <p:ph type="title"/>
+          </p:nvPr>
+        </p:nvSpPr>
+        <p:spPr>
+          <a:xfrm>
+            <a:off x="838200" y="0"/>
+            <a:ext cx="10515600" cy="1325563"/>
+          </a:xfrm>
+        </p:spPr>
+        <p:txBody>
+          <a:bodyPr/>
+          <a:lstStyle/>
+          <a:p>
+            <a:r>
+              <a:rPr lang="en-US" dirty="0"/>
+              <a:t>Why is this important to know?</a:t>
+            </a:r>
+          </a:p>
+        </p:txBody>
+      </p:sp>
+      <p:sp>
+        <p:nvSpPr>
+          <p:cNvPr id="3" name="Slide Number Placeholder 2">
+            <a:extLst>
+              <a:ext uri="{FF2B5EF4-FFF2-40B4-BE49-F238E27FC236}">
+                <a16:creationId xmlns:a16="http://schemas.microsoft.com/office/drawing/2014/main" id="{479EF64C-4C0D-0568-8CF9-44AE538BB095}"/>
               </a:ext>
             </a:extLst>
           </p:cNvPr>
@@ -8375,10 +8521,10 @@
       </p:sp>
       <p:sp>
         <p:nvSpPr>
-          <p:cNvPr id="3" name="TextBox 2">
-            <a:extLst>
-              <a:ext uri="{FF2B5EF4-FFF2-40B4-BE49-F238E27FC236}">
-                <a16:creationId xmlns:a16="http://schemas.microsoft.com/office/drawing/2014/main" id="{6D7B3005-3C39-BD44-7CF9-5DBAA8364C02}"/>
+          <p:cNvPr id="4" name="TextBox 3">
+            <a:extLst>
+              <a:ext uri="{FF2B5EF4-FFF2-40B4-BE49-F238E27FC236}">
+                <a16:creationId xmlns:a16="http://schemas.microsoft.com/office/drawing/2014/main" id="{13548A02-91C9-EBAE-D744-B3FF2DF1A254}"/>
               </a:ext>
             </a:extLst>
           </p:cNvPr>
@@ -8387,129 +8533,8 @@
         </p:nvSpPr>
         <p:spPr>
           <a:xfrm>
-            <a:off x="4373495" y="2253101"/>
-            <a:ext cx="7717514" cy="2862322"/>
-          </a:xfrm>
-          <a:prstGeom prst="rect">
-            <a:avLst/>
-          </a:prstGeom>
-          <a:noFill/>
-        </p:spPr>
-        <p:txBody>
-          <a:bodyPr wrap="square">
-            <a:spAutoFit/>
-          </a:bodyPr>
-          <a:lstStyle/>
-          <a:p>
-            <a:endParaRPr lang="en-US" sz="1600" dirty="0"/>
-          </a:p>
-          <a:p>
-            <a:r>
-              <a:rPr lang="en-US" sz="1600" dirty="0"/>
-              <a:t>Wolf, T., </a:t>
-            </a:r>
-            <a:r>
-              <a:rPr lang="en-US" sz="1600" dirty="0" err="1"/>
-              <a:t>Shelest</a:t>
-            </a:r>
-            <a:r>
-              <a:rPr lang="en-US" sz="1600" dirty="0"/>
-              <a:t>, V., Nath, N. &amp; </a:t>
-            </a:r>
-            <a:r>
-              <a:rPr lang="en-US" sz="1600" dirty="0" err="1"/>
-              <a:t>Shelest</a:t>
-            </a:r>
-            <a:r>
-              <a:rPr lang="en-US" sz="1600" dirty="0"/>
-              <a:t>, E. CASSIS and SMIPS: Promoter-based prediction of secondary metabolite gene clusters in eukaryotic genomes. Bioinformatics 32, 1138–1143 (2016).</a:t>
-            </a:r>
-          </a:p>
-          <a:p>
-            <a:endParaRPr lang="en-US" sz="1600" dirty="0"/>
-          </a:p>
-          <a:p>
-            <a:r>
-              <a:rPr lang="en-US" sz="1600" dirty="0"/>
-              <a:t>Wolf, T., </a:t>
-            </a:r>
-            <a:r>
-              <a:rPr lang="en-US" sz="1600" dirty="0" err="1"/>
-              <a:t>Shelest</a:t>
-            </a:r>
-            <a:r>
-              <a:rPr lang="en-US" sz="1600" dirty="0"/>
-              <a:t>, V. &amp; </a:t>
-            </a:r>
-            <a:r>
-              <a:rPr lang="en-US" sz="1600" dirty="0" err="1"/>
-              <a:t>Shelest</a:t>
-            </a:r>
-            <a:r>
-              <a:rPr lang="en-US" sz="1600" dirty="0"/>
-              <a:t>, E. Motif-based method for the genome-wide prediction of eukaryotic gene clusters. Lecture Notes in Computer Science (including subseries Lecture Notes in Artificial Intelligence and Lecture Notes in Bioinformatics) 8158 LNCS, 389–398 (2013).</a:t>
-            </a:r>
-          </a:p>
-          <a:p>
-            <a:r>
-              <a:rPr lang="en-US" sz="1600" dirty="0"/>
-              <a:t>  </a:t>
-            </a:r>
-          </a:p>
-          <a:p>
-            <a:r>
-              <a:rPr lang="en-US" sz="1600" dirty="0"/>
-              <a:t> </a:t>
-            </a:r>
-          </a:p>
-        </p:txBody>
-      </p:sp>
-      <p:pic>
-        <p:nvPicPr>
-          <p:cNvPr id="4" name="Picture 3">
-            <a:extLst>
-              <a:ext uri="{FF2B5EF4-FFF2-40B4-BE49-F238E27FC236}">
-                <a16:creationId xmlns:a16="http://schemas.microsoft.com/office/drawing/2014/main" id="{2A725D4D-1B7A-4319-2280-7193A5473E21}"/>
-              </a:ext>
-            </a:extLst>
-          </p:cNvPr>
-          <p:cNvPicPr>
-            <a:picLocks noChangeAspect="1"/>
-          </p:cNvPicPr>
-          <p:nvPr/>
-        </p:nvPicPr>
-        <p:blipFill>
-          <a:blip r:embed="rId2"/>
-          <a:stretch>
-            <a:fillRect/>
-          </a:stretch>
-        </p:blipFill>
-        <p:spPr>
-          <a:xfrm>
-            <a:off x="479921" y="2507785"/>
-            <a:ext cx="3333135" cy="1590814"/>
-          </a:xfrm>
-          <a:prstGeom prst="rect">
-            <a:avLst/>
-          </a:prstGeom>
-        </p:spPr>
-      </p:pic>
-      <p:sp>
-        <p:nvSpPr>
-          <p:cNvPr id="5" name="TextBox 4">
-            <a:extLst>
-              <a:ext uri="{FF2B5EF4-FFF2-40B4-BE49-F238E27FC236}">
-                <a16:creationId xmlns:a16="http://schemas.microsoft.com/office/drawing/2014/main" id="{D24F18F7-2EF0-CAF6-6EDF-B5F79F74C808}"/>
-              </a:ext>
-            </a:extLst>
-          </p:cNvPr>
-          <p:cNvSpPr txBox="1"/>
-          <p:nvPr/>
-        </p:nvSpPr>
-        <p:spPr>
-          <a:xfrm>
-            <a:off x="1316161" y="555420"/>
-            <a:ext cx="9559677" cy="1077218"/>
+            <a:off x="838200" y="1058202"/>
+            <a:ext cx="10860314" cy="5693866"/>
           </a:xfrm>
           <a:prstGeom prst="rect">
             <a:avLst/>
@@ -8522,18 +8547,107 @@
           </a:bodyPr>
           <a:lstStyle/>
           <a:p>
-            <a:pPr algn="ctr"/>
-            <a:r>
-              <a:rPr lang="en-US" sz="3200" dirty="0"/>
-              <a:t>Please refer to these two publications, and the CASSIS algorithm if interesting in learning more!</a:t>
-            </a:r>
+            <a:pPr marL="342900" indent="-342900">
+              <a:buFont typeface="Arial" panose="020B0604020202020204" pitchFamily="34" charset="0"/>
+              <a:buChar char="•"/>
+            </a:pPr>
+            <a:r>
+              <a:rPr lang="en-US" sz="2200" dirty="0"/>
+              <a:t>The predictions carry information regarding the potential regulation of clusters</a:t>
+            </a:r>
+          </a:p>
+          <a:p>
+            <a:pPr marL="342900" indent="-342900">
+              <a:buFont typeface="Arial" panose="020B0604020202020204" pitchFamily="34" charset="0"/>
+              <a:buChar char="•"/>
+            </a:pPr>
+            <a:r>
+              <a:rPr lang="en-US" sz="2200" dirty="0"/>
+              <a:t>Clusters can evolve different regulatory pathways within different genomes</a:t>
+            </a:r>
+          </a:p>
+          <a:p>
+            <a:pPr marL="342900" indent="-342900">
+              <a:buFont typeface="Arial" panose="020B0604020202020204" pitchFamily="34" charset="0"/>
+              <a:buChar char="•"/>
+            </a:pPr>
+            <a:r>
+              <a:rPr lang="en-US" sz="2200" dirty="0"/>
+              <a:t>When looking at a BGC that was sorted into a GCF, compare its genomic architecture to others within the same GCF</a:t>
+            </a:r>
+          </a:p>
+          <a:p>
+            <a:pPr marL="342900" indent="-342900">
+              <a:buFont typeface="Arial" panose="020B0604020202020204" pitchFamily="34" charset="0"/>
+              <a:buChar char="•"/>
+            </a:pPr>
+            <a:r>
+              <a:rPr lang="en-US" sz="2200" dirty="0"/>
+              <a:t>Smaller than normal BGCs within a GCF could indicate differentially regulated variations</a:t>
+            </a:r>
+          </a:p>
+          <a:p>
+            <a:pPr marL="342900" indent="-342900">
+              <a:buFont typeface="Arial" panose="020B0604020202020204" pitchFamily="34" charset="0"/>
+              <a:buChar char="•"/>
+            </a:pPr>
+            <a:endParaRPr lang="en-US" sz="2400" dirty="0"/>
+          </a:p>
+          <a:p>
+            <a:r>
+              <a:rPr lang="en-US" sz="2800" u="sng" dirty="0"/>
+              <a:t>Important assumptions to remember:</a:t>
+            </a:r>
+          </a:p>
+          <a:p>
+            <a:pPr marL="457200" indent="-457200">
+              <a:buFont typeface="+mj-lt"/>
+              <a:buAutoNum type="arabicPeriod"/>
+            </a:pPr>
+            <a:r>
+              <a:rPr lang="en-US" sz="2200" dirty="0"/>
+              <a:t>Identifying a BGC with this methodology relies on the assumption of co-regulating genes</a:t>
+            </a:r>
+          </a:p>
+          <a:p>
+            <a:pPr marL="457200" indent="-457200">
+              <a:buFont typeface="+mj-lt"/>
+              <a:buAutoNum type="arabicPeriod"/>
+            </a:pPr>
+            <a:r>
+              <a:rPr lang="en-US" sz="2200" dirty="0"/>
+              <a:t>It is never guaranteed that the underlying algorithm will identify the correct regulatory motif</a:t>
+            </a:r>
+          </a:p>
+          <a:p>
+            <a:endParaRPr lang="en-US" sz="2200" dirty="0"/>
+          </a:p>
+          <a:p>
+            <a:r>
+              <a:rPr lang="en-US" sz="2200" dirty="0"/>
+              <a:t>As such, this approach (as with all genome mining algorithms) will occasionally lead to false-positives (i.e., predicting a BGC that doesn’t exist) and false-negatives (i.e., failing to locate or to correctly locate the boundaries of a BGC).</a:t>
+            </a:r>
+          </a:p>
+          <a:p>
+            <a:pPr marL="342900" indent="-342900">
+              <a:buFont typeface="Arial" panose="020B0604020202020204" pitchFamily="34" charset="0"/>
+              <a:buChar char="•"/>
+            </a:pPr>
+            <a:endParaRPr lang="en-US" sz="2400" dirty="0"/>
+          </a:p>
+          <a:p>
+            <a:pPr marL="800100" lvl="1" indent="-342900">
+              <a:buFont typeface="Arial" panose="020B0604020202020204" pitchFamily="34" charset="0"/>
+              <a:buChar char="•"/>
+            </a:pPr>
+            <a:endParaRPr lang="en-US" sz="2400" dirty="0"/>
           </a:p>
         </p:txBody>
       </p:sp>
     </p:spTree>
     <p:extLst>
       <p:ext uri="{BB962C8B-B14F-4D97-AF65-F5344CB8AC3E}">
-        <p14:creationId xmlns:p14="http://schemas.microsoft.com/office/powerpoint/2010/main" val="1713278541"/>
+        <p14:creationId xmlns:p14="http://schemas.microsoft.com/office/powerpoint/2010/main" val="2818035945"/>
       </p:ext>
     </p:extLst>
   </p:cSld>
@@ -8562,6 +8676,474 @@
       </p:grpSpPr>
       <p:sp>
         <p:nvSpPr>
+          <p:cNvPr id="2" name="Slide Number Placeholder 1">
+            <a:extLst>
+              <a:ext uri="{FF2B5EF4-FFF2-40B4-BE49-F238E27FC236}">
+                <a16:creationId xmlns:a16="http://schemas.microsoft.com/office/drawing/2014/main" id="{55EADF73-777C-7A77-B852-54D5E8BAB285}"/>
+              </a:ext>
+            </a:extLst>
+          </p:cNvPr>
+          <p:cNvSpPr>
+            <a:spLocks noGrp="1"/>
+          </p:cNvSpPr>
+          <p:nvPr>
+            <p:ph type="sldNum" sz="quarter" idx="12"/>
+          </p:nvPr>
+        </p:nvSpPr>
+        <p:spPr/>
+        <p:txBody>
+          <a:bodyPr/>
+          <a:lstStyle/>
+          <a:p>
+            <a:fld id="{6FD46872-9187-D449-8E74-42DAD81B7612}" type="slidenum">
+              <a:rPr lang="en-US" smtClean="0"/>
+              <a:t>7</a:t>
+            </a:fld>
+            <a:endParaRPr lang="en-US"/>
+          </a:p>
+        </p:txBody>
+      </p:sp>
+      <p:sp>
+        <p:nvSpPr>
+          <p:cNvPr id="4" name="TextBox 3">
+            <a:extLst>
+              <a:ext uri="{FF2B5EF4-FFF2-40B4-BE49-F238E27FC236}">
+                <a16:creationId xmlns:a16="http://schemas.microsoft.com/office/drawing/2014/main" id="{C8B2DE3C-D19E-67BF-88E2-C04F52381BC6}"/>
+              </a:ext>
+            </a:extLst>
+          </p:cNvPr>
+          <p:cNvSpPr txBox="1"/>
+          <p:nvPr/>
+        </p:nvSpPr>
+        <p:spPr>
+          <a:xfrm>
+            <a:off x="1502228" y="783490"/>
+            <a:ext cx="9187543" cy="5755422"/>
+          </a:xfrm>
+          <a:prstGeom prst="rect">
+            <a:avLst/>
+          </a:prstGeom>
+          <a:noFill/>
+        </p:spPr>
+        <p:txBody>
+          <a:bodyPr wrap="square">
+            <a:spAutoFit/>
+          </a:bodyPr>
+          <a:lstStyle/>
+          <a:p>
+            <a:r>
+              <a:rPr lang="en-US" sz="3200" u="sng" dirty="0"/>
+              <a:t>Good questions to ask yourself when analyzing a GCF:</a:t>
+            </a:r>
+          </a:p>
+          <a:p>
+            <a:pPr marL="800100" lvl="1" indent="-342900">
+              <a:buFont typeface="Arial" panose="020B0604020202020204" pitchFamily="34" charset="0"/>
+              <a:buChar char="•"/>
+            </a:pPr>
+            <a:r>
+              <a:rPr lang="en-US" sz="2400" dirty="0"/>
+              <a:t>Which genes are shared across the BGCs within a GCF?  </a:t>
+            </a:r>
+          </a:p>
+          <a:p>
+            <a:pPr marL="1257300" lvl="2" indent="-342900">
+              <a:buFont typeface="Arial" panose="020B0604020202020204" pitchFamily="34" charset="0"/>
+              <a:buChar char="•"/>
+            </a:pPr>
+            <a:r>
+              <a:rPr lang="en-US" sz="2400" dirty="0"/>
+              <a:t>This may indicate the biosynthetic core of the GCF</a:t>
+            </a:r>
+          </a:p>
+          <a:p>
+            <a:pPr marL="1257300" lvl="2" indent="-342900">
+              <a:buFont typeface="Arial" panose="020B0604020202020204" pitchFamily="34" charset="0"/>
+              <a:buChar char="•"/>
+            </a:pPr>
+            <a:endParaRPr lang="en-US" sz="2400" dirty="0"/>
+          </a:p>
+          <a:p>
+            <a:pPr marL="800100" lvl="1" indent="-342900">
+              <a:buFont typeface="Arial" panose="020B0604020202020204" pitchFamily="34" charset="0"/>
+              <a:buChar char="•"/>
+            </a:pPr>
+            <a:r>
+              <a:rPr lang="en-US" sz="2400" dirty="0"/>
+              <a:t>Are there any extremely large predictions? </a:t>
+            </a:r>
+          </a:p>
+          <a:p>
+            <a:pPr marL="1257300" lvl="2" indent="-342900">
+              <a:buFont typeface="Arial" panose="020B0604020202020204" pitchFamily="34" charset="0"/>
+              <a:buChar char="•"/>
+            </a:pPr>
+            <a:r>
+              <a:rPr lang="en-US" sz="2400" dirty="0"/>
+              <a:t>These can be signs of BGC border miss-calls, and likely will need to be double checked.</a:t>
+            </a:r>
+          </a:p>
+          <a:p>
+            <a:pPr marL="1257300" lvl="2" indent="-342900">
+              <a:buFont typeface="Arial" panose="020B0604020202020204" pitchFamily="34" charset="0"/>
+              <a:buChar char="•"/>
+            </a:pPr>
+            <a:endParaRPr lang="en-US" sz="2400" dirty="0"/>
+          </a:p>
+          <a:p>
+            <a:pPr marL="800100" lvl="1" indent="-342900">
+              <a:buFont typeface="Arial" panose="020B0604020202020204" pitchFamily="34" charset="0"/>
+              <a:buChar char="•"/>
+            </a:pPr>
+            <a:r>
+              <a:rPr lang="en-US" sz="2400" dirty="0"/>
+              <a:t>Are there any extremely small predictions relative to the normal size of BGCs within the GCF?</a:t>
+            </a:r>
+          </a:p>
+          <a:p>
+            <a:pPr marL="1257300" lvl="2" indent="-342900">
+              <a:buFont typeface="Arial" panose="020B0604020202020204" pitchFamily="34" charset="0"/>
+              <a:buChar char="•"/>
+            </a:pPr>
+            <a:r>
+              <a:rPr lang="en-US" sz="2400" dirty="0"/>
+              <a:t>This may suggest that the ICS backbone is no longer linked to neighboring genes by a shared promoter motif. If you are interested in investigating this further, it is recommended that you manually verify whether the genes in the GCF are still co-localized with the ICS backbone.</a:t>
+            </a:r>
+          </a:p>
+        </p:txBody>
+      </p:sp>
+      <p:sp>
+        <p:nvSpPr>
+          <p:cNvPr id="5" name="TextBox 4">
+            <a:extLst>
+              <a:ext uri="{FF2B5EF4-FFF2-40B4-BE49-F238E27FC236}">
+                <a16:creationId xmlns:a16="http://schemas.microsoft.com/office/drawing/2014/main" id="{712462F3-9BAE-73E5-5A33-E6DA7D78A4BC}"/>
+              </a:ext>
+            </a:extLst>
+          </p:cNvPr>
+          <p:cNvSpPr txBox="1"/>
+          <p:nvPr/>
+        </p:nvSpPr>
+        <p:spPr>
+          <a:xfrm>
+            <a:off x="0" y="39985"/>
+            <a:ext cx="1537729" cy="461665"/>
+          </a:xfrm>
+          <a:prstGeom prst="rect">
+            <a:avLst/>
+          </a:prstGeom>
+          <a:noFill/>
+        </p:spPr>
+        <p:txBody>
+          <a:bodyPr wrap="none" rtlCol="0">
+            <a:spAutoFit/>
+          </a:bodyPr>
+          <a:lstStyle/>
+          <a:p>
+            <a:r>
+              <a:rPr lang="en-US" sz="2400" dirty="0"/>
+              <a:t>Other tips!</a:t>
+            </a:r>
+          </a:p>
+        </p:txBody>
+      </p:sp>
+    </p:spTree>
+    <p:extLst>
+      <p:ext uri="{BB962C8B-B14F-4D97-AF65-F5344CB8AC3E}">
+        <p14:creationId xmlns:p14="http://schemas.microsoft.com/office/powerpoint/2010/main" val="1065319333"/>
+      </p:ext>
+    </p:extLst>
+  </p:cSld>
+  <p:clrMapOvr>
+    <a:masterClrMapping/>
+  </p:clrMapOvr>
+</p:sld>
+</file>
+
+<file path=ppt/slides/slide8.xml><?xml version="1.0" encoding="utf-8"?>
+<p:sld xmlns:a="http://schemas.openxmlformats.org/drawingml/2006/main" xmlns:r="http://schemas.openxmlformats.org/officeDocument/2006/relationships" xmlns:p="http://schemas.openxmlformats.org/presentationml/2006/main">
+  <p:cSld>
+    <p:spTree>
+      <p:nvGrpSpPr>
+        <p:cNvPr id="1" name=""/>
+        <p:cNvGrpSpPr/>
+        <p:nvPr/>
+      </p:nvGrpSpPr>
+      <p:grpSpPr>
+        <a:xfrm>
+          <a:off x="0" y="0"/>
+          <a:ext cx="0" cy="0"/>
+          <a:chOff x="0" y="0"/>
+          <a:chExt cx="0" cy="0"/>
+        </a:xfrm>
+      </p:grpSpPr>
+      <p:sp>
+        <p:nvSpPr>
+          <p:cNvPr id="6" name="Rectangle 5">
+            <a:extLst>
+              <a:ext uri="{FF2B5EF4-FFF2-40B4-BE49-F238E27FC236}">
+                <a16:creationId xmlns:a16="http://schemas.microsoft.com/office/drawing/2014/main" id="{B9D7A46F-1630-2E74-215C-FDCD8E9E5A27}"/>
+              </a:ext>
+            </a:extLst>
+          </p:cNvPr>
+          <p:cNvSpPr/>
+          <p:nvPr/>
+        </p:nvSpPr>
+        <p:spPr>
+          <a:xfrm>
+            <a:off x="195195" y="2332384"/>
+            <a:ext cx="4072005" cy="2169278"/>
+          </a:xfrm>
+          <a:prstGeom prst="rect">
+            <a:avLst/>
+          </a:prstGeom>
+          <a:solidFill>
+            <a:schemeClr val="tx1"/>
+          </a:solidFill>
+        </p:spPr>
+        <p:style>
+          <a:lnRef idx="2">
+            <a:schemeClr val="accent1">
+              <a:shade val="50000"/>
+            </a:schemeClr>
+          </a:lnRef>
+          <a:fillRef idx="1">
+            <a:schemeClr val="accent1"/>
+          </a:fillRef>
+          <a:effectRef idx="0">
+            <a:schemeClr val="accent1"/>
+          </a:effectRef>
+          <a:fontRef idx="minor">
+            <a:schemeClr val="lt1"/>
+          </a:fontRef>
+        </p:style>
+        <p:txBody>
+          <a:bodyPr rtlCol="0" anchor="ctr"/>
+          <a:lstStyle/>
+          <a:p>
+            <a:pPr algn="ctr"/>
+            <a:endParaRPr lang="en-US"/>
+          </a:p>
+        </p:txBody>
+      </p:sp>
+      <p:sp>
+        <p:nvSpPr>
+          <p:cNvPr id="2" name="Slide Number Placeholder 1">
+            <a:extLst>
+              <a:ext uri="{FF2B5EF4-FFF2-40B4-BE49-F238E27FC236}">
+                <a16:creationId xmlns:a16="http://schemas.microsoft.com/office/drawing/2014/main" id="{BE27CDD8-F5D5-B048-FBBD-FC3FB188E746}"/>
+              </a:ext>
+            </a:extLst>
+          </p:cNvPr>
+          <p:cNvSpPr>
+            <a:spLocks noGrp="1"/>
+          </p:cNvSpPr>
+          <p:nvPr>
+            <p:ph type="sldNum" sz="quarter" idx="12"/>
+          </p:nvPr>
+        </p:nvSpPr>
+        <p:spPr/>
+        <p:txBody>
+          <a:bodyPr/>
+          <a:lstStyle/>
+          <a:p>
+            <a:fld id="{6FD46872-9187-D449-8E74-42DAD81B7612}" type="slidenum">
+              <a:rPr lang="en-US" smtClean="0"/>
+              <a:t>8</a:t>
+            </a:fld>
+            <a:endParaRPr lang="en-US"/>
+          </a:p>
+        </p:txBody>
+      </p:sp>
+      <p:sp>
+        <p:nvSpPr>
+          <p:cNvPr id="3" name="TextBox 2">
+            <a:extLst>
+              <a:ext uri="{FF2B5EF4-FFF2-40B4-BE49-F238E27FC236}">
+                <a16:creationId xmlns:a16="http://schemas.microsoft.com/office/drawing/2014/main" id="{6D7B3005-3C39-BD44-7CF9-5DBAA8364C02}"/>
+              </a:ext>
+            </a:extLst>
+          </p:cNvPr>
+          <p:cNvSpPr txBox="1"/>
+          <p:nvPr/>
+        </p:nvSpPr>
+        <p:spPr>
+          <a:xfrm>
+            <a:off x="4373495" y="2253101"/>
+            <a:ext cx="7717514" cy="2862322"/>
+          </a:xfrm>
+          <a:prstGeom prst="rect">
+            <a:avLst/>
+          </a:prstGeom>
+          <a:noFill/>
+        </p:spPr>
+        <p:txBody>
+          <a:bodyPr wrap="square">
+            <a:spAutoFit/>
+          </a:bodyPr>
+          <a:lstStyle/>
+          <a:p>
+            <a:endParaRPr lang="en-US" sz="1600" dirty="0"/>
+          </a:p>
+          <a:p>
+            <a:r>
+              <a:rPr lang="en-US" sz="1600" dirty="0"/>
+              <a:t>Wolf, T., </a:t>
+            </a:r>
+            <a:r>
+              <a:rPr lang="en-US" sz="1600" dirty="0" err="1"/>
+              <a:t>Shelest</a:t>
+            </a:r>
+            <a:r>
+              <a:rPr lang="en-US" sz="1600" dirty="0"/>
+              <a:t>, V., Nath, N. &amp; </a:t>
+            </a:r>
+            <a:r>
+              <a:rPr lang="en-US" sz="1600" dirty="0" err="1"/>
+              <a:t>Shelest</a:t>
+            </a:r>
+            <a:r>
+              <a:rPr lang="en-US" sz="1600" dirty="0"/>
+              <a:t>, E. CASSIS and SMIPS: Promoter-based prediction of secondary metabolite gene clusters in eukaryotic genomes. Bioinformatics 32, 1138–1143 (2016).</a:t>
+            </a:r>
+          </a:p>
+          <a:p>
+            <a:endParaRPr lang="en-US" sz="1600" dirty="0"/>
+          </a:p>
+          <a:p>
+            <a:r>
+              <a:rPr lang="en-US" sz="1600" dirty="0"/>
+              <a:t>Wolf, T., </a:t>
+            </a:r>
+            <a:r>
+              <a:rPr lang="en-US" sz="1600" dirty="0" err="1"/>
+              <a:t>Shelest</a:t>
+            </a:r>
+            <a:r>
+              <a:rPr lang="en-US" sz="1600" dirty="0"/>
+              <a:t>, V. &amp; </a:t>
+            </a:r>
+            <a:r>
+              <a:rPr lang="en-US" sz="1600" dirty="0" err="1"/>
+              <a:t>Shelest</a:t>
+            </a:r>
+            <a:r>
+              <a:rPr lang="en-US" sz="1600" dirty="0"/>
+              <a:t>, E. Motif-based method for the genome-wide prediction of eukaryotic gene clusters. Lecture Notes in Computer Science (including subseries Lecture Notes in Artificial Intelligence and Lecture Notes in Bioinformatics) 8158 LNCS, 389–398 (2013).</a:t>
+            </a:r>
+          </a:p>
+          <a:p>
+            <a:r>
+              <a:rPr lang="en-US" sz="1600" dirty="0"/>
+              <a:t>  </a:t>
+            </a:r>
+          </a:p>
+          <a:p>
+            <a:r>
+              <a:rPr lang="en-US" sz="1600" dirty="0"/>
+              <a:t> </a:t>
+            </a:r>
+          </a:p>
+        </p:txBody>
+      </p:sp>
+      <p:pic>
+        <p:nvPicPr>
+          <p:cNvPr id="4" name="Picture 3">
+            <a:extLst>
+              <a:ext uri="{FF2B5EF4-FFF2-40B4-BE49-F238E27FC236}">
+                <a16:creationId xmlns:a16="http://schemas.microsoft.com/office/drawing/2014/main" id="{2A725D4D-1B7A-4319-2280-7193A5473E21}"/>
+              </a:ext>
+            </a:extLst>
+          </p:cNvPr>
+          <p:cNvPicPr>
+            <a:picLocks noChangeAspect="1"/>
+          </p:cNvPicPr>
+          <p:nvPr/>
+        </p:nvPicPr>
+        <p:blipFill>
+          <a:blip r:embed="rId2"/>
+          <a:stretch>
+            <a:fillRect/>
+          </a:stretch>
+        </p:blipFill>
+        <p:spPr>
+          <a:xfrm>
+            <a:off x="479921" y="2507785"/>
+            <a:ext cx="3333135" cy="1590814"/>
+          </a:xfrm>
+          <a:prstGeom prst="rect">
+            <a:avLst/>
+          </a:prstGeom>
+        </p:spPr>
+      </p:pic>
+      <p:sp>
+        <p:nvSpPr>
+          <p:cNvPr id="5" name="TextBox 4">
+            <a:extLst>
+              <a:ext uri="{FF2B5EF4-FFF2-40B4-BE49-F238E27FC236}">
+                <a16:creationId xmlns:a16="http://schemas.microsoft.com/office/drawing/2014/main" id="{D24F18F7-2EF0-CAF6-6EDF-B5F79F74C808}"/>
+              </a:ext>
+            </a:extLst>
+          </p:cNvPr>
+          <p:cNvSpPr txBox="1"/>
+          <p:nvPr/>
+        </p:nvSpPr>
+        <p:spPr>
+          <a:xfrm>
+            <a:off x="1316161" y="555420"/>
+            <a:ext cx="9559677" cy="1077218"/>
+          </a:xfrm>
+          <a:prstGeom prst="rect">
+            <a:avLst/>
+          </a:prstGeom>
+          <a:noFill/>
+        </p:spPr>
+        <p:txBody>
+          <a:bodyPr wrap="square" rtlCol="0">
+            <a:spAutoFit/>
+          </a:bodyPr>
+          <a:lstStyle/>
+          <a:p>
+            <a:pPr algn="ctr"/>
+            <a:r>
+              <a:rPr lang="en-US" sz="3200" dirty="0"/>
+              <a:t>Please refer to these two publications, and the CASSIS algorithm if interesting in learning more!</a:t>
+            </a:r>
+          </a:p>
+        </p:txBody>
+      </p:sp>
+    </p:spTree>
+    <p:extLst>
+      <p:ext uri="{BB962C8B-B14F-4D97-AF65-F5344CB8AC3E}">
+        <p14:creationId xmlns:p14="http://schemas.microsoft.com/office/powerpoint/2010/main" val="1713278541"/>
+      </p:ext>
+    </p:extLst>
+  </p:cSld>
+  <p:clrMapOvr>
+    <a:masterClrMapping/>
+  </p:clrMapOvr>
+</p:sld>
+</file>
+
+<file path=ppt/slides/slide9.xml><?xml version="1.0" encoding="utf-8"?>
+<p:sld xmlns:a="http://schemas.openxmlformats.org/drawingml/2006/main" xmlns:r="http://schemas.openxmlformats.org/officeDocument/2006/relationships" xmlns:p="http://schemas.openxmlformats.org/presentationml/2006/main">
+  <p:cSld>
+    <p:spTree>
+      <p:nvGrpSpPr>
+        <p:cNvPr id="1" name=""/>
+        <p:cNvGrpSpPr/>
+        <p:nvPr/>
+      </p:nvGrpSpPr>
+      <p:grpSpPr>
+        <a:xfrm>
+          <a:off x="0" y="0"/>
+          <a:ext cx="0" cy="0"/>
+          <a:chOff x="0" y="0"/>
+          <a:chExt cx="0" cy="0"/>
+        </a:xfrm>
+      </p:grpSpPr>
+      <p:sp>
+        <p:nvSpPr>
           <p:cNvPr id="6" name="TextBox 5">
             <a:extLst>
               <a:ext uri="{FF2B5EF4-FFF2-40B4-BE49-F238E27FC236}">
@@ -8819,7 +9401,7 @@
         <p:spPr>
           <a:xfrm>
             <a:off x="1478089" y="89198"/>
-            <a:ext cx="9235821" cy="1077218"/>
+            <a:ext cx="9235821" cy="1446550"/>
           </a:xfrm>
           <a:prstGeom prst="rect">
             <a:avLst/>
@@ -8835,7 +9417,14 @@
             <a:pPr algn="ctr"/>
             <a:r>
               <a:rPr lang="en-US" sz="3200" dirty="0"/>
-              <a:t>Key publications, algorithms, and repositories that aided in this work </a:t>
+              <a:t>Other key publications, algorithms, and repositories that aided in the pipeline development</a:t>
+            </a:r>
+          </a:p>
+          <a:p>
+            <a:pPr algn="ctr"/>
+            <a:r>
+              <a:rPr lang="en-US" sz="2400" dirty="0"/>
+              <a:t>(see publication for full details)</a:t>
             </a:r>
           </a:p>
         </p:txBody>

--- a/Images/CassisExplanation.pptx
+++ b/Images/CassisExplanation.pptx
@@ -205,7 +205,7 @@
           <a:p>
             <a:fld id="{CCE1BE07-DB1E-DD4D-95B4-39968E1006CC}" type="datetimeFigureOut">
               <a:rPr lang="en-US" smtClean="0"/>
-              <a:t>4/11/23</a:t>
+              <a:t>6/1/23</a:t>
             </a:fld>
             <a:endParaRPr lang="en-US"/>
           </a:p>
@@ -794,7 +794,7 @@
           <a:p>
             <a:fld id="{179D03FE-D8A3-2042-95A0-B24C7ABF8C01}" type="datetime1">
               <a:rPr lang="en-US" smtClean="0"/>
-              <a:t>4/11/23</a:t>
+              <a:t>6/1/23</a:t>
             </a:fld>
             <a:endParaRPr lang="en-US"/>
           </a:p>
@@ -964,7 +964,7 @@
           <a:p>
             <a:fld id="{C5DA49BC-A37D-164B-9147-A93340725733}" type="datetime1">
               <a:rPr lang="en-US" smtClean="0"/>
-              <a:t>4/11/23</a:t>
+              <a:t>6/1/23</a:t>
             </a:fld>
             <a:endParaRPr lang="en-US"/>
           </a:p>
@@ -1144,7 +1144,7 @@
           <a:p>
             <a:fld id="{62BED9FC-42E4-E84B-A833-20C9434B7CCC}" type="datetime1">
               <a:rPr lang="en-US" smtClean="0"/>
-              <a:t>4/11/23</a:t>
+              <a:t>6/1/23</a:t>
             </a:fld>
             <a:endParaRPr lang="en-US"/>
           </a:p>
@@ -1314,7 +1314,7 @@
           <a:p>
             <a:fld id="{4F075BA5-4A6F-F248-A068-EB2A0C7A0785}" type="datetime1">
               <a:rPr lang="en-US" smtClean="0"/>
-              <a:t>4/11/23</a:t>
+              <a:t>6/1/23</a:t>
             </a:fld>
             <a:endParaRPr lang="en-US"/>
           </a:p>
@@ -1560,7 +1560,7 @@
           <a:p>
             <a:fld id="{9C9ED383-CE43-0A4C-8FA1-1A4C4DF241DC}" type="datetime1">
               <a:rPr lang="en-US" smtClean="0"/>
-              <a:t>4/11/23</a:t>
+              <a:t>6/1/23</a:t>
             </a:fld>
             <a:endParaRPr lang="en-US"/>
           </a:p>
@@ -1792,7 +1792,7 @@
           <a:p>
             <a:fld id="{1A7D77EF-0F71-2D4A-A619-CA3529E14D0F}" type="datetime1">
               <a:rPr lang="en-US" smtClean="0"/>
-              <a:t>4/11/23</a:t>
+              <a:t>6/1/23</a:t>
             </a:fld>
             <a:endParaRPr lang="en-US"/>
           </a:p>
@@ -2159,7 +2159,7 @@
           <a:p>
             <a:fld id="{8D9AF9D1-1897-4D4F-9AFC-71854A24DA08}" type="datetime1">
               <a:rPr lang="en-US" smtClean="0"/>
-              <a:t>4/11/23</a:t>
+              <a:t>6/1/23</a:t>
             </a:fld>
             <a:endParaRPr lang="en-US"/>
           </a:p>
@@ -2277,7 +2277,7 @@
           <a:p>
             <a:fld id="{029F23BF-F4C8-9240-8E54-8EBB060A47C1}" type="datetime1">
               <a:rPr lang="en-US" smtClean="0"/>
-              <a:t>4/11/23</a:t>
+              <a:t>6/1/23</a:t>
             </a:fld>
             <a:endParaRPr lang="en-US"/>
           </a:p>
@@ -2372,7 +2372,7 @@
           <a:p>
             <a:fld id="{E70030E9-F740-224E-96AE-54C5E583283B}" type="datetime1">
               <a:rPr lang="en-US" smtClean="0"/>
-              <a:t>4/11/23</a:t>
+              <a:t>6/1/23</a:t>
             </a:fld>
             <a:endParaRPr lang="en-US"/>
           </a:p>
@@ -2649,7 +2649,7 @@
           <a:p>
             <a:fld id="{23447956-F1B3-8643-B986-64854C06E0F8}" type="datetime1">
               <a:rPr lang="en-US" smtClean="0"/>
-              <a:t>4/11/23</a:t>
+              <a:t>6/1/23</a:t>
             </a:fld>
             <a:endParaRPr lang="en-US"/>
           </a:p>
@@ -2906,7 +2906,7 @@
           <a:p>
             <a:fld id="{0B6F4EEE-FA37-7742-9798-BACCD1E22175}" type="datetime1">
               <a:rPr lang="en-US" smtClean="0"/>
-              <a:t>4/11/23</a:t>
+              <a:t>6/1/23</a:t>
             </a:fld>
             <a:endParaRPr lang="en-US"/>
           </a:p>
@@ -3119,7 +3119,7 @@
           <a:p>
             <a:fld id="{7E4ECDC8-E124-044A-B093-1336FFEE8BA5}" type="datetime1">
               <a:rPr lang="en-US" smtClean="0"/>
-              <a:t>4/11/23</a:t>
+              <a:t>6/1/23</a:t>
             </a:fld>
             <a:endParaRPr lang="en-US"/>
           </a:p>
@@ -7232,7 +7232,7 @@
         </p:nvGrpSpPr>
         <p:grpSpPr>
           <a:xfrm>
-            <a:off x="1393371" y="2247772"/>
+            <a:off x="1189064" y="2263847"/>
             <a:ext cx="3385908" cy="1322799"/>
             <a:chOff x="3348040" y="4241080"/>
             <a:chExt cx="1088687" cy="356618"/>
@@ -7311,7 +7311,7 @@
         </p:nvGrpSpPr>
         <p:grpSpPr>
           <a:xfrm>
-            <a:off x="1380139" y="3723277"/>
+            <a:off x="1100986" y="3734771"/>
             <a:ext cx="3473986" cy="1322792"/>
             <a:chOff x="3319720" y="4221527"/>
             <a:chExt cx="1117008" cy="356616"/>
@@ -7810,7 +7810,7 @@
             <a:pPr algn="ctr"/>
             <a:r>
               <a:rPr lang="en-US" sz="3200" dirty="0"/>
-              <a:t>The occurrence of of each cluster defining motif is calculated in all promoters within the genome. If the motif is frequently found within the genome (i.e., it’s not cluster-specific), that prediction is rejected.</a:t>
+              <a:t>The occurrence of each cluster defining motif is calculated in all promoters within the genome. If the motif is frequently found within the genome (i.e., it’s not cluster-specific), that prediction is rejected.</a:t>
             </a:r>
           </a:p>
         </p:txBody>

--- a/Images/CassisExplanation.pptx
+++ b/Images/CassisExplanation.pptx
@@ -205,7 +205,7 @@
           <a:p>
             <a:fld id="{CCE1BE07-DB1E-DD4D-95B4-39968E1006CC}" type="datetimeFigureOut">
               <a:rPr lang="en-US" smtClean="0"/>
-              <a:t>6/1/23</a:t>
+              <a:t>6/19/23</a:t>
             </a:fld>
             <a:endParaRPr lang="en-US"/>
           </a:p>
@@ -794,7 +794,7 @@
           <a:p>
             <a:fld id="{179D03FE-D8A3-2042-95A0-B24C7ABF8C01}" type="datetime1">
               <a:rPr lang="en-US" smtClean="0"/>
-              <a:t>6/1/23</a:t>
+              <a:t>6/19/23</a:t>
             </a:fld>
             <a:endParaRPr lang="en-US"/>
           </a:p>
@@ -964,7 +964,7 @@
           <a:p>
             <a:fld id="{C5DA49BC-A37D-164B-9147-A93340725733}" type="datetime1">
               <a:rPr lang="en-US" smtClean="0"/>
-              <a:t>6/1/23</a:t>
+              <a:t>6/19/23</a:t>
             </a:fld>
             <a:endParaRPr lang="en-US"/>
           </a:p>
@@ -1144,7 +1144,7 @@
           <a:p>
             <a:fld id="{62BED9FC-42E4-E84B-A833-20C9434B7CCC}" type="datetime1">
               <a:rPr lang="en-US" smtClean="0"/>
-              <a:t>6/1/23</a:t>
+              <a:t>6/19/23</a:t>
             </a:fld>
             <a:endParaRPr lang="en-US"/>
           </a:p>
@@ -1314,7 +1314,7 @@
           <a:p>
             <a:fld id="{4F075BA5-4A6F-F248-A068-EB2A0C7A0785}" type="datetime1">
               <a:rPr lang="en-US" smtClean="0"/>
-              <a:t>6/1/23</a:t>
+              <a:t>6/19/23</a:t>
             </a:fld>
             <a:endParaRPr lang="en-US"/>
           </a:p>
@@ -1560,7 +1560,7 @@
           <a:p>
             <a:fld id="{9C9ED383-CE43-0A4C-8FA1-1A4C4DF241DC}" type="datetime1">
               <a:rPr lang="en-US" smtClean="0"/>
-              <a:t>6/1/23</a:t>
+              <a:t>6/19/23</a:t>
             </a:fld>
             <a:endParaRPr lang="en-US"/>
           </a:p>
@@ -1792,7 +1792,7 @@
           <a:p>
             <a:fld id="{1A7D77EF-0F71-2D4A-A619-CA3529E14D0F}" type="datetime1">
               <a:rPr lang="en-US" smtClean="0"/>
-              <a:t>6/1/23</a:t>
+              <a:t>6/19/23</a:t>
             </a:fld>
             <a:endParaRPr lang="en-US"/>
           </a:p>
@@ -2159,7 +2159,7 @@
           <a:p>
             <a:fld id="{8D9AF9D1-1897-4D4F-9AFC-71854A24DA08}" type="datetime1">
               <a:rPr lang="en-US" smtClean="0"/>
-              <a:t>6/1/23</a:t>
+              <a:t>6/19/23</a:t>
             </a:fld>
             <a:endParaRPr lang="en-US"/>
           </a:p>
@@ -2277,7 +2277,7 @@
           <a:p>
             <a:fld id="{029F23BF-F4C8-9240-8E54-8EBB060A47C1}" type="datetime1">
               <a:rPr lang="en-US" smtClean="0"/>
-              <a:t>6/1/23</a:t>
+              <a:t>6/19/23</a:t>
             </a:fld>
             <a:endParaRPr lang="en-US"/>
           </a:p>
@@ -2372,7 +2372,7 @@
           <a:p>
             <a:fld id="{E70030E9-F740-224E-96AE-54C5E583283B}" type="datetime1">
               <a:rPr lang="en-US" smtClean="0"/>
-              <a:t>6/1/23</a:t>
+              <a:t>6/19/23</a:t>
             </a:fld>
             <a:endParaRPr lang="en-US"/>
           </a:p>
@@ -2649,7 +2649,7 @@
           <a:p>
             <a:fld id="{23447956-F1B3-8643-B986-64854C06E0F8}" type="datetime1">
               <a:rPr lang="en-US" smtClean="0"/>
-              <a:t>6/1/23</a:t>
+              <a:t>6/19/23</a:t>
             </a:fld>
             <a:endParaRPr lang="en-US"/>
           </a:p>
@@ -2906,7 +2906,7 @@
           <a:p>
             <a:fld id="{0B6F4EEE-FA37-7742-9798-BACCD1E22175}" type="datetime1">
               <a:rPr lang="en-US" smtClean="0"/>
-              <a:t>6/1/23</a:t>
+              <a:t>6/19/23</a:t>
             </a:fld>
             <a:endParaRPr lang="en-US"/>
           </a:p>
@@ -3119,7 +3119,7 @@
           <a:p>
             <a:fld id="{7E4ECDC8-E124-044A-B093-1336FFEE8BA5}" type="datetime1">
               <a:rPr lang="en-US" smtClean="0"/>
-              <a:t>6/1/23</a:t>
+              <a:t>6/19/23</a:t>
             </a:fld>
             <a:endParaRPr lang="en-US"/>
           </a:p>
@@ -5590,7 +5590,7 @@
               <a:rPr lang="en-US" smtClean="0"/>
               <a:t>3</a:t>
             </a:fld>
-            <a:endParaRPr lang="en-US"/>
+            <a:endParaRPr lang="en-US" dirty="0"/>
           </a:p>
         </p:txBody>
       </p:sp>
@@ -7700,6 +7700,40 @@
           </a:fontRef>
         </p:style>
       </p:cxnSp>
+      <p:sp>
+        <p:nvSpPr>
+          <p:cNvPr id="2" name="Slide Number Placeholder 1">
+            <a:extLst>
+              <a:ext uri="{FF2B5EF4-FFF2-40B4-BE49-F238E27FC236}">
+                <a16:creationId xmlns:a16="http://schemas.microsoft.com/office/drawing/2014/main" id="{4E388A92-EC82-5CFE-7570-E3752A383B45}"/>
+              </a:ext>
+            </a:extLst>
+          </p:cNvPr>
+          <p:cNvSpPr>
+            <a:spLocks noGrp="1"/>
+          </p:cNvSpPr>
+          <p:nvPr>
+            <p:ph type="sldNum" sz="quarter" idx="12"/>
+          </p:nvPr>
+        </p:nvSpPr>
+        <p:spPr>
+          <a:xfrm>
+            <a:off x="8610600" y="6356350"/>
+            <a:ext cx="2743200" cy="365125"/>
+          </a:xfrm>
+        </p:spPr>
+        <p:txBody>
+          <a:bodyPr/>
+          <a:lstStyle/>
+          <a:p>
+            <a:fld id="{6FD46872-9187-D449-8E74-42DAD81B7612}" type="slidenum">
+              <a:rPr lang="en-US" smtClean="0"/>
+              <a:t>4</a:t>
+            </a:fld>
+            <a:endParaRPr lang="en-US" dirty="0"/>
+          </a:p>
+        </p:txBody>
+      </p:sp>
     </p:spTree>
     <p:extLst>
       <p:ext uri="{BB962C8B-B14F-4D97-AF65-F5344CB8AC3E}">
@@ -8424,6 +8458,40 @@
               <a:rPr lang="en-US" sz="1600" b="1" dirty="0"/>
               <a:t>ICS</a:t>
             </a:r>
+          </a:p>
+        </p:txBody>
+      </p:sp>
+      <p:sp>
+        <p:nvSpPr>
+          <p:cNvPr id="2" name="Slide Number Placeholder 1">
+            <a:extLst>
+              <a:ext uri="{FF2B5EF4-FFF2-40B4-BE49-F238E27FC236}">
+                <a16:creationId xmlns:a16="http://schemas.microsoft.com/office/drawing/2014/main" id="{A2F7117D-F274-421F-EC85-8529337A478C}"/>
+              </a:ext>
+            </a:extLst>
+          </p:cNvPr>
+          <p:cNvSpPr>
+            <a:spLocks noGrp="1"/>
+          </p:cNvSpPr>
+          <p:nvPr>
+            <p:ph type="sldNum" sz="quarter" idx="12"/>
+          </p:nvPr>
+        </p:nvSpPr>
+        <p:spPr>
+          <a:xfrm>
+            <a:off x="8610600" y="6356350"/>
+            <a:ext cx="2743200" cy="365125"/>
+          </a:xfrm>
+        </p:spPr>
+        <p:txBody>
+          <a:bodyPr/>
+          <a:lstStyle/>
+          <a:p>
+            <a:fld id="{6FD46872-9187-D449-8E74-42DAD81B7612}" type="slidenum">
+              <a:rPr lang="en-US" smtClean="0"/>
+              <a:t>5</a:t>
+            </a:fld>
+            <a:endParaRPr lang="en-US" dirty="0"/>
           </a:p>
         </p:txBody>
       </p:sp>
